--- a/icons building.pptx
+++ b/icons building.pptx
@@ -115,6 +115,11 @@
       </a:defRPr>
     </a:lvl9pPr>
   </p:defaultTextStyle>
+  <p:extLst>
+    <p:ext uri="{EFAFB233-063F-42B5-8137-9DF3F51BA10A}">
+      <p15:sldGuideLst xmlns:p15="http://schemas.microsoft.com/office/powerpoint/2012/main"/>
+    </p:ext>
+  </p:extLst>
 </p:presentation>
 </file>
 
@@ -265,7 +270,7 @@
           <a:p>
             <a:fld id="{937715AD-1FE4-C042-A179-F4928882802B}" type="datetimeFigureOut">
               <a:rPr lang="en-US" smtClean="0"/>
-              <a:t>8/5/25</a:t>
+              <a:t>13-Oct-2025</a:t>
             </a:fld>
             <a:endParaRPr lang="en-US"/>
           </a:p>
@@ -463,7 +468,7 @@
           <a:p>
             <a:fld id="{937715AD-1FE4-C042-A179-F4928882802B}" type="datetimeFigureOut">
               <a:rPr lang="en-US" smtClean="0"/>
-              <a:t>8/5/25</a:t>
+              <a:t>13-Oct-2025</a:t>
             </a:fld>
             <a:endParaRPr lang="en-US"/>
           </a:p>
@@ -671,7 +676,7 @@
           <a:p>
             <a:fld id="{937715AD-1FE4-C042-A179-F4928882802B}" type="datetimeFigureOut">
               <a:rPr lang="en-US" smtClean="0"/>
-              <a:t>8/5/25</a:t>
+              <a:t>13-Oct-2025</a:t>
             </a:fld>
             <a:endParaRPr lang="en-US"/>
           </a:p>
@@ -869,7 +874,7 @@
           <a:p>
             <a:fld id="{937715AD-1FE4-C042-A179-F4928882802B}" type="datetimeFigureOut">
               <a:rPr lang="en-US" smtClean="0"/>
-              <a:t>8/5/25</a:t>
+              <a:t>13-Oct-2025</a:t>
             </a:fld>
             <a:endParaRPr lang="en-US"/>
           </a:p>
@@ -1144,7 +1149,7 @@
           <a:p>
             <a:fld id="{937715AD-1FE4-C042-A179-F4928882802B}" type="datetimeFigureOut">
               <a:rPr lang="en-US" smtClean="0"/>
-              <a:t>8/5/25</a:t>
+              <a:t>13-Oct-2025</a:t>
             </a:fld>
             <a:endParaRPr lang="en-US"/>
           </a:p>
@@ -1409,7 +1414,7 @@
           <a:p>
             <a:fld id="{937715AD-1FE4-C042-A179-F4928882802B}" type="datetimeFigureOut">
               <a:rPr lang="en-US" smtClean="0"/>
-              <a:t>8/5/25</a:t>
+              <a:t>13-Oct-2025</a:t>
             </a:fld>
             <a:endParaRPr lang="en-US"/>
           </a:p>
@@ -1821,7 +1826,7 @@
           <a:p>
             <a:fld id="{937715AD-1FE4-C042-A179-F4928882802B}" type="datetimeFigureOut">
               <a:rPr lang="en-US" smtClean="0"/>
-              <a:t>8/5/25</a:t>
+              <a:t>13-Oct-2025</a:t>
             </a:fld>
             <a:endParaRPr lang="en-US"/>
           </a:p>
@@ -1962,7 +1967,7 @@
           <a:p>
             <a:fld id="{937715AD-1FE4-C042-A179-F4928882802B}" type="datetimeFigureOut">
               <a:rPr lang="en-US" smtClean="0"/>
-              <a:t>8/5/25</a:t>
+              <a:t>13-Oct-2025</a:t>
             </a:fld>
             <a:endParaRPr lang="en-US"/>
           </a:p>
@@ -2075,7 +2080,7 @@
           <a:p>
             <a:fld id="{937715AD-1FE4-C042-A179-F4928882802B}" type="datetimeFigureOut">
               <a:rPr lang="en-US" smtClean="0"/>
-              <a:t>8/5/25</a:t>
+              <a:t>13-Oct-2025</a:t>
             </a:fld>
             <a:endParaRPr lang="en-US"/>
           </a:p>
@@ -2386,7 +2391,7 @@
           <a:p>
             <a:fld id="{937715AD-1FE4-C042-A179-F4928882802B}" type="datetimeFigureOut">
               <a:rPr lang="en-US" smtClean="0"/>
-              <a:t>8/5/25</a:t>
+              <a:t>13-Oct-2025</a:t>
             </a:fld>
             <a:endParaRPr lang="en-US"/>
           </a:p>
@@ -2674,7 +2679,7 @@
           <a:p>
             <a:fld id="{937715AD-1FE4-C042-A179-F4928882802B}" type="datetimeFigureOut">
               <a:rPr lang="en-US" smtClean="0"/>
-              <a:t>8/5/25</a:t>
+              <a:t>13-Oct-2025</a:t>
             </a:fld>
             <a:endParaRPr lang="en-US"/>
           </a:p>
@@ -2915,7 +2920,7 @@
           <a:p>
             <a:fld id="{937715AD-1FE4-C042-A179-F4928882802B}" type="datetimeFigureOut">
               <a:rPr lang="en-US" smtClean="0"/>
-              <a:t>8/5/25</a:t>
+              <a:t>13-Oct-2025</a:t>
             </a:fld>
             <a:endParaRPr lang="en-US"/>
           </a:p>
@@ -3008,6 +3013,56 @@
               <a:t>‹#›</a:t>
             </a:fld>
             <a:endParaRPr lang="en-US"/>
+          </a:p>
+        </p:txBody>
+      </p:sp>
+      <p:sp>
+        <p:nvSpPr>
+          <p:cNvPr id="8" name="TextBox 7">
+            <a:extLst>
+              <a:ext uri="{FF2B5EF4-FFF2-40B4-BE49-F238E27FC236}">
+                <a16:creationId xmlns:a16="http://schemas.microsoft.com/office/drawing/2014/main" id="{F7A30688-1B5B-BC8C-BD68-C357BB04C25A}"/>
+              </a:ext>
+            </a:extLst>
+          </p:cNvPr>
+          <p:cNvSpPr txBox="1"/>
+          <p:nvPr userDrawn="1">
+            <p:extLst>
+              <p:ext uri="{1162E1C5-73C7-4A58-AE30-91384D911F3F}">
+                <p184:classification xmlns:p184="http://schemas.microsoft.com/office/powerpoint/2018/4/main" val="ftr"/>
+              </p:ext>
+            </p:extLst>
+          </p:nvPr>
+        </p:nvSpPr>
+        <p:spPr>
+          <a:xfrm>
+            <a:off x="5237163" y="6642100"/>
+            <a:ext cx="1746250" cy="152400"/>
+          </a:xfrm>
+          <a:prstGeom prst="rect">
+            <a:avLst/>
+          </a:prstGeom>
+        </p:spPr>
+        <p:txBody>
+          <a:bodyPr horzOverflow="overflow" lIns="0" tIns="0" rIns="0" bIns="0">
+            <a:spAutoFit/>
+          </a:bodyPr>
+          <a:lstStyle/>
+          <a:p>
+            <a:pPr algn="l"/>
+            <a:r>
+              <a:rPr lang="en-US" sz="1000">
+                <a:solidFill>
+                  <a:srgbClr val="0000FF">
+                    <a:alpha val="50000"/>
+                  </a:srgbClr>
+                </a:solidFill>
+                <a:latin typeface="Calibri" panose="020F0502020204030204" pitchFamily="34" charset="0"/>
+                <a:ea typeface="Calibri" panose="020F0502020204030204" pitchFamily="34" charset="0"/>
+                <a:cs typeface="Calibri" panose="020F0502020204030204" pitchFamily="34" charset="0"/>
+              </a:rPr>
+              <a:t>Restricted Use - À usage restreint</a:t>
+            </a:r>
           </a:p>
         </p:txBody>
       </p:sp>
